--- a/Capstone Project/Capstone_PPT_AlexaTiddia.pptx
+++ b/Capstone Project/Capstone_PPT_AlexaTiddia.pptx
@@ -1178,7 +1178,7 @@
             <a:pPr rtl="0"/>
             <a:fld id="{EF12DF34-A68F-404A-AC2C-B4CF091E3D61}" type="datetime1">
               <a:rPr lang="it-IT" smtClean="0"/>
-              <a:t>18/11/2023</a:t>
+              <a:t>21/11/2023</a:t>
             </a:fld>
             <a:endParaRPr lang="it-IT" dirty="0"/>
           </a:p>
@@ -1359,7 +1359,7 @@
             <a:fld id="{14BDCC09-F72A-496B-A050-9AABC6C1EF9A}" type="datetime1">
               <a:rPr lang="it-IT" smtClean="0"/>
               <a:pPr/>
-              <a:t>18/11/2023</a:t>
+              <a:t>21/11/2023</a:t>
             </a:fld>
             <a:endParaRPr lang="it-IT" dirty="0"/>
           </a:p>
@@ -2469,7 +2469,7 @@
             <a:pPr rtl="0"/>
             <a:fld id="{BAA6F00B-C6FF-4E0E-BBB8-8774781B39C3}" type="datetime1">
               <a:rPr lang="it-IT" noProof="0" smtClean="0"/>
-              <a:t>18/11/2023</a:t>
+              <a:t>21/11/2023</a:t>
             </a:fld>
             <a:endParaRPr lang="it-IT" noProof="0" dirty="0"/>
           </a:p>
@@ -3867,7 +3867,7 @@
             <a:pPr rtl="0"/>
             <a:fld id="{62031108-50C5-4299-B5F3-EB8E7D9A6016}" type="datetime1">
               <a:rPr lang="it-IT" noProof="0" smtClean="0"/>
-              <a:t>18/11/2023</a:t>
+              <a:t>21/11/2023</a:t>
             </a:fld>
             <a:endParaRPr lang="it-IT" noProof="0" dirty="0"/>
           </a:p>
@@ -28997,10 +28997,10 @@
         <mc:Choice xmlns:we="http://schemas.microsoft.com/office/webextensions/webextension/2010/11" xmlns:pca="http://schemas.microsoft.com/office/powerpoint/2013/contentapp" Requires="we pca">
           <p:graphicFrame>
             <p:nvGraphicFramePr>
-              <p:cNvPr id="10" name="Add-in 9">
+              <p:cNvPr id="2" name="Add-in 1">
                 <a:extLst>
                   <a:ext uri="{FF2B5EF4-FFF2-40B4-BE49-F238E27FC236}">
-                    <a16:creationId xmlns:a16="http://schemas.microsoft.com/office/drawing/2014/main" id="{65D52FEA-0436-2787-B455-4842C14442E3}"/>
+                    <a16:creationId xmlns:a16="http://schemas.microsoft.com/office/drawing/2014/main" id="{E943CE83-570D-863F-43E0-51D6343E1EFF}"/>
                   </a:ext>
                 </a:extLst>
               </p:cNvPr>
@@ -29010,14 +29010,14 @@
               <p:nvPr>
                 <p:extLst>
                   <p:ext uri="{D42A27DB-BD31-4B8C-83A1-F6EECF244321}">
-                    <p14:modId xmlns:p14="http://schemas.microsoft.com/office/powerpoint/2010/main" val="4021215292"/>
+                    <p14:modId xmlns:p14="http://schemas.microsoft.com/office/powerpoint/2010/main" val="3196077027"/>
                   </p:ext>
                 </p:extLst>
               </p:nvPr>
             </p:nvGraphicFramePr>
             <p:xfrm>
-              <a:off x="595604" y="195944"/>
-              <a:ext cx="11000792" cy="6195526"/>
+              <a:off x="0" y="0"/>
+              <a:ext cx="12192000" cy="6858000"/>
             </p:xfrm>
             <a:graphic>
               <a:graphicData uri="http://schemas.microsoft.com/office/webextensions/webextension/2010/11">
@@ -29029,10 +29029,10 @@
         <mc:Fallback>
           <p:pic>
             <p:nvPicPr>
-              <p:cNvPr id="10" name="Add-in 9">
+              <p:cNvPr id="2" name="Add-in 1">
                 <a:extLst>
                   <a:ext uri="{FF2B5EF4-FFF2-40B4-BE49-F238E27FC236}">
-                    <a16:creationId xmlns:a16="http://schemas.microsoft.com/office/drawing/2014/main" id="{65D52FEA-0436-2787-B455-4842C14442E3}"/>
+                    <a16:creationId xmlns:a16="http://schemas.microsoft.com/office/drawing/2014/main" id="{E943CE83-570D-863F-43E0-51D6343E1EFF}"/>
                   </a:ext>
                 </a:extLst>
               </p:cNvPr>
@@ -29049,8 +29049,8 @@
             </p:blipFill>
             <p:spPr>
               <a:xfrm>
-                <a:off x="595604" y="195944"/>
-                <a:ext cx="11000792" cy="6195526"/>
+                <a:off x="0" y="0"/>
+                <a:ext cx="12192000" cy="6858000"/>
               </a:xfrm>
               <a:prstGeom prst="rect">
                 <a:avLst/>
@@ -29864,27 +29864,27 @@
 </file>
 
 <file path=ppt/webextensions/webextension1.xml><?xml version="1.0" encoding="utf-8"?>
-<we:webextension xmlns:we="http://schemas.microsoft.com/office/webextensions/webextension/2010/11" id="{9077ED5C-F674-4833-B817-F98DA9CC2787}">
+<we:webextension xmlns:we="http://schemas.microsoft.com/office/webextensions/webextension/2010/11" id="{AC9CBAF3-023B-4F41-A72B-48121428EAF9}">
   <we:reference id="wa200003233" version="2.0.0.3" store="en-GB" storeType="OMEX"/>
   <we:alternateReferences>
-    <we:reference id="wa200003233" version="2.0.0.3" store="" storeType="OMEX"/>
+    <we:reference id="WA200003233" version="2.0.0.3" store="" storeType="OMEX"/>
   </we:alternateReferences>
   <we:properties>
-    <we:property name="reportUrl" value="&quot;/links/-I90qwPIhs?ctid=8a1d4ab0-5815-4e81-adb3-6ae9868a4850&amp;pbi_source=linkShare&quot;"/>
-    <we:property name="reportName" value="&quot;CapstoneAlexaTiddia&quot;"/>
+    <we:property name="reportUrl" value="&quot;/links/ol2yv2UsXA?ctid=8a1d4ab0-5815-4e81-adb3-6ae9868a4850&amp;pbi_source=linkShare&quot;"/>
+    <we:property name="reportName" value="&quot;Capstone_PBI_AlexaTiddia&quot;"/>
     <we:property name="reportState" value="&quot;CONNECTED&quot;"/>
-    <we:property name="embedUrl" value="&quot;/reportEmbed?reportId=2cd04eb1-4f4b-49b3-a39e-4aad01a102be&amp;config=eyJjbHVzdGVyVXJsIjoiaHR0cHM6Ly9XQUJJLVdFU1QtRVVST1BFLUUtUFJJTUFSWS1yZWRpcmVjdC5hbmFseXNpcy53aW5kb3dzLm5ldCIsImVtYmVkRmVhdHVyZXMiOnsidXNhZ2VNZXRyaWNzVk5leHQiOnRydWV9fQ%3D%3D&amp;disableSensitivityBanner=true&quot;"/>
+    <we:property name="embedUrl" value="&quot;/reportEmbed?reportId=3263413e-7a50-4ae7-9ad9-45ecdada92a2&amp;config=eyJjbHVzdGVyVXJsIjoiaHR0cHM6Ly9XQUJJLVdFU1QtRVVST1BFLUUtUFJJTUFSWS1yZWRpcmVjdC5hbmFseXNpcy53aW5kb3dzLm5ldCIsImVtYmVkRmVhdHVyZXMiOnsidXNhZ2VNZXRyaWNzVk5leHQiOnRydWV9fQ%3D%3D&amp;disableSensitivityBanner=true&quot;"/>
     <we:property name="pageDisplayName" value="&quot;HomePage&quot;"/>
-    <we:property name="datasetId" value="&quot;bb3a8b96-d36f-4489-a30c-6df6700826ab&quot;"/>
+    <we:property name="datasetId" value="&quot;d49f6535-2517-4937-b1ce-8699a25b6687&quot;"/>
     <we:property name="backgroundColor" value="&quot;#4D4D4D&quot;"/>
-    <we:property name="bookmark" value="&quot;H4sIAAAAAAAAA+1Z3W/bNhD/VwY9rC/CQH1QtvIWO8lWYOnSOsgwFMZwEs+2GlnSKCqtF/h/35GSEtvxVxa7S9EZfqCO1H3+jnek7i2RlEUKs3cwRevE6uX57RTk7Q/csq1smcY7HvPiLkcWdcDzEITbpVV5oZI8K62Te0uBHKO6ScoKUs2QiB+HtgVpegVj/TSCtETbKlCWeQZp8jfWi2lKyQrntoVfijSXoFkOFCjUbO9oOT2TKs5PHkmEWCV3OMBY1dQPWORStc+2VdYjo9LynGZmBPbzTEGSEWNNC8VoBIHjuAjcc1iXiyjS9FGSqmZJNDv/Ukiyh6ycFdotp+IOshiFZZSWWJaNhH6eVlMzOl+iD/JKxvgBR2YqU4maEZs+pJgJkNacrL+SOfnG0P/AhjbJP/clkiuEdcLm9m75lwhlJXFfBS4Ts3pF/ADTxmfbdOgTaZzLJIb0SG64pEBN1ugwJEqZZOO0QdBjaK9r1VKKbn8CUmmIRp/IGB3HeYseEvFpASaNITMT4MNqPpzrCZ07fNT1OgE6gesAgQ12Quz47n1fkYdwHdB2OrhMk5jeXPSuNUXaAPRAgAJjSVHLSrCez4WZRmPovfVrQsJr3jeQVprtmzN6Q+SfszekFP2GOp9bLD7lWCpyjxoYRWvM7uBvtqCG9XwTHMzi8oBgePRzDYco9Jngsc+dULgBcxl3vFe64/wPhEMCoXFyjQK/AyzGiAUQhY4X0N4Q7q47h9sULoyYH68TlT7Z/+u5g8NhjFkdhyfxq21eHt20hd+1rQuZT81rTacyIgnrLbGtWhOmIfP7BHUpNPHLRNJ2AW9XnPSMENcPRoNNPiO5D8D5uB7cA8JHqZE9HNYANG+9IFt6UCbxkVJF92ZHy5S9UFjnC4fAc6IRA5+Bi0Hguhgbg7bicQIFLjcBmhfrBoHjhV0IuPAij3si5Dtz7zov3hGr/RBaVtFfFVJPYa/6oZ2g8ft2sI0TLGL99PpP8pCoYrWAdPth7XRxbdPbLWVEG/Fn4x1Wo9OTkAkjluhtWiaYCkvL+U0KlL26ozpLZItGd9Ub+7WrD1pMt3WqWi7FyDrxmAlybba74J7drjzuprHNiUZ7iFLc/PoDpppsfFkBWLB/i1av8QiyswpFINd2//lBUfkMC3RwD3302C9+9d45EoJzOt12hc8CRNal/vMVHEA2ne/2ANnpeCxxDG12nr8sEUxBXtXO7GFvzwz5osoasPBv/zjqRpyDEwgMum7HRcfBkO2spMkUxmsqaYx+h3tBV3R95CH9IeL/hpfd3kU9tjzWJBECTfrYFlXrwAXgvh8L+vFY4G6dwTi1VyllroaeIS6mY/rIYR2k8xnHyI18hvs2CF97U3aOciezWRPqYFqIvuIisYcO/+3JeVJlQqK4QpKVqYGC+BZF7/uuXE+h1dQvTzijEDqMMd5xRScQzP2K9Wuzwt9AIuwEYpxWJXkRRe2U7xl/a8HHWCjA73ixD0C10vNDz31B6TE8Vz5E/CzzqjBmCWA+Oh44nuf7TKDvh76mJ+UvdXmqv5UYJuvuWPJKlQXEeAUZrjn9E/aojGhg7Hc9ZjRNmlPJ3vdp8/k/XW4iFlsaAAA=&quot;"/>
+    <we:property name="bookmark" value="&quot;H4sIAAAAAAAAA+1Z3W/bNhD/VwY9rC/CQH1beYudZCuwdGkdZBgKYziJZ1uNLGkUlTYL/L/vSEqJ4/gri92l6II8SEfqPn/Hu6PvLJ7VVQ6372CG1pHVL8vrGYjrHwLLtorHNAdDL/HjKORJxFMGPQdS2lVWMiuL2jq6sySICcqrrG4gVwyJ+HFkW5DnFzBRb2PIa7StCkVdFpBnf6PZTEtSNDi3LfxS5aUAxXIoQaJie0Pb6Z1UcX7ySCKkMrvBIabSUD9gVQrZvdtWbZ60So/XFDMtcFAWErKCGCtazMdjCB3HRQg8h/UCniSKPs5y2W5Jbk+/VILsIStvK+WWY34DRYrc0koLrOtWwqDMm5l+On1EH5aNSPEDjvVSITN5S2wGkGPBQVhzsv5ClOQbTf8DW9q0/DwQSK7g1hGb29vlnyPUjcBdFTjP9O4l8UPMW59t0mFApEkpshTyA7nhnAI1XaHDiCh1VkzyFkEPob00quUU3cEUhFQQTT6RMSqO8w49JOLTAkxaQ251gPer+WiuFiKPecG450UhOqHrAIENtkLs8O5935CHcBXQtjq4zrOUvlz0rjVDOgDUAwcJ2pLKyMrQrJdcL6M29M76NSPhhvcV5I1i++aEvuDl5+INKUV/I5XPHRafcqwluUcOtaIGs1v46yOoZT1fBwe9ud4jGB78bOCQxD7jQeoHTszdkLkscLxXeuL8D4R9AqF1skGBHwFLMWEhJLHjhXQ2xNvrzv4OhTMt5sfLTOZPzn+ztnc4TLAwcXgSP2Pz46errvC7tnUmypn+rO1UxiRhtSW2ZTRhCjK/T1GVQh2/gmddF/B2yUnPCLF50Rqs8xnJvQfOx9XgpgNBK6/APRoZDOoPX5Awfaiz9EDZotqzgyXLTkA0KRNA6DnJmIHPwMUwdF1MtUEbITmFCh/3AYoX64Wh48U9CAPuJV7g8TjYmn6XZfWOWO0G0rpJ/mqQ2gp72Q/dAj2/7x42cYJFuB9f/kke4k0qF8Bu3++dLe5t27tHSdFF/NmQh+Xo9AUUXIslepeZGebcUnJ+ExxF3zRVJ5no0Ogue2O3jvVei9mmZlXJpRhZRx7TQTZmuwvu2e7Kw54bm5yotYckx/Wf32OqzcaX1YAF+zdo9RqnkK2FKAGxcgAo94rKZ1iggrvv6WO3+Jmzc8x5ENCA2+M+CxFZj1rQVzCDrBvxdgDZ8WQicAJddp6+LBGGpGC9rJ0+w96eaPJZU7RgCb79idRNggCckGPYcyMXHQdjtrWSZjOYrKikKfpR4IU93vMxiOkfkuDf8LK766iHlseaZpyjTh/bomodugCB76ec/oKU43adQTu130ipb4eeIS6lSX3ssAhpRAswcROf4a4Nwtc+lJ2DXMus14Q6mA6ir7hI7KDDfzs8T5uCC+QXSLIKOZSQXiPvf9+V6ym02vrlcWccQ8QYCyKXRyFn7lesX+sV/gYSYSsQ07ypyYvIjVO+Z/ytBB9jMQc/8lIfgGql58ee+4LSo3ku/RbxsyibSpvFgfnoeOB4nu8zjr4f+4qe1b+Y8mR+LtFMVl2zlI2sK0jxAgpcMf0T9qiMKGDsdkOmNc3aqWTnK7X5/B9kDdJGXhoAAA==&quot;"/>
     <we:property name="initialStateBookmark" value="&quot;H4sIAAAAAAAAA+1Z3W/bNhD/VwY9rC/CQH3aylvsJFvRJU3jIMNQGMVJPNtsZEmjqLRZ4P99R0pKHMdfWewuRWf4gTpS9/k73pG6s7goixRuz2CK1oHVy/PrKcjrnwLLtrKG9v79u9PDi3efzg5Pj4mcF0rkWWkd3FkK5BjVlSgrSDUHIn4c2hak6TmM9dMI0hJtq0BZ5hmk4m+sF9OUkhXObAu/FmkuQbMcKFCo2d7Qcnom2c4vHkmERIkbHGCiauoFFrlU7bNtlfXIqPR4TjMzAvt5pkBkxFjTIj4aQeg4LkLgOawb8DjW9JFIVbMkvj3+Wkiyh6y8LbQfDvkNZAlyyygtsSwbCf08raZmdPyIPsgrmeAFjsxUpoS6JTZ9SDHjIK0ZWX8uc/KNof+JDW2Sf+lLJFdw64DN7M3yTxHKSuK2CpwKs3pB/ADTxmfrdOgTaZxLkUC6JzecUqAmS3QYEqUU2ThtEPQQ2statZSi25+AVBqi8WcyRsdx1qKHRHyeg0ljyK0J8G41H870RMdjXjDqep0QndB1gMAGGyG2f/d+qMhDuAxoGx1cpiKhN+e9a02RNgA94KDAWFLUsgTW8zk302gMvbN+FyS85n0FaaXZvjmiN3j+JXtDStFvqPO5xeJTjqUi96iBUbTG7Ab+ZgtqWM9WwcEsLncIhgc/13CII5/xIPEDJ+JuyFwWON4r3XH+B8IugdA4uUaB3wGWYMxCiCPHC2lviDbXnd1tCidGzM+XQqVP9v96budwGGNWx+FJ/GqbH4+u2sLv2taJzKfmtaY1GZGE5ZbYVq0J05D5Y4K6FJr4ZVy0XcDbBSc9I8T1g9Fglc9I7j1wPi4H94DwUWpkD4c1AM1bL8iWHpQi2VOq6N5sb5myFQrrfAkg9Jx4xMBn4GIYui4mxqC1eJxAgY+bAM2LdcPQ8aIuhAH3Yi/weBRszL3LvDgjVtshtKzivyqknsJe9EM7QeMP7WAdJ5jH+uHlJ/IQrxI1h3T7fu10fm3T2z3KiDbiz8Y7LEanJyHjRizR27QUmHJLy3kvOcpe3VEdCdmi0V30xnbt6r0W03WdqpZLMbIOPGaCXJvtzrlnsyv3u2msc6LRHuIUV79+j6kmG19WAObsX6PVazyCbKxCMcil3X++U1Q+wwId3F0fPbaLX713jjgPAjrddrnPQkTWpf7zFRxAVp3vtgDZ4XgscQxtdh6/LBFMQV7Uzuxhb48M+aTKGrAE3/9x1I2DAJyQY9h1Oy46DkZsYyUVUxgvqaQJ+p3AC7u862MQ0R/i4N/wstvLp4eWx5oIztGkj21RtQ5dgMD3E06/IOG4WWcwTu1VSpmroWeIS+iYPnJYB+l8FmDsxj7DbRuEb70pO3u5k1mtCXUwLURfcZHYQof/9uQ8qTIukZ8jycrUQEFyjbz3Y1eup9Bq6pfHnVEEHcZY0HF5J+TM/Yb1a7XC30EibARiklYleRF57ZQfGX9LwcdYxMHveIkPQLXS8yPPfUHpMTwXPkT8KvOqMGZxYD46Hjie5/uMo+9HvqaL8re6PNXfSgyTZXcseaXKAhI8hwyXnP4Je1RGNDC2ux4zmormVLLtJcFs9g/CNHFfSxoAAA==&quot;"/>
     <we:property name="isFooterCollapsed" value="true"/>
     <we:property name="isFiltersActionButtonVisible" value="true"/>
-    <we:property name="reportEmbeddedTime" value="&quot;2023-11-18T19:47:35.264Z&quot;"/>
+    <we:property name="reportEmbeddedTime" value="&quot;2023-11-21T19:40:16.467Z&quot;"/>
     <we:property name="creatorTenantId" value="&quot;8a1d4ab0-5815-4e81-adb3-6ae9868a4850&quot;"/>
     <we:property name="creatorUserId" value="&quot;1003200310998862&quot;"/>
-    <we:property name="creatorSessionId" value="&quot;7c36af97-82de-4464-9c26-439ac37ec0d1&quot;"/>
+    <we:property name="creatorSessionId" value="&quot;d54bba92-6c73-468d-8921-1486cd5e4a8d&quot;"/>
   </we:properties>
   <we:bindings/>
   <we:snapshot xmlns:r="http://schemas.openxmlformats.org/officeDocument/2006/relationships" r:embed="rId1"/>
